--- a/ppt 16-9/0265.赞歌.pptx
+++ b/ppt 16-9/0265.赞歌.pptx
@@ -129,7 +129,7 @@
           <p:cNvPr id="2" name="标题 1">
             <a:extLst>
               <a:ext uri="{FF2B5EF4-FFF2-40B4-BE49-F238E27FC236}">
-                <a16:creationId xmlns:a16="http://schemas.microsoft.com/office/drawing/2014/main" id="{4367DFA7-CDD4-6DC9-053E-137B7D99AD00}"/>
+                <a16:creationId xmlns:a16="http://schemas.microsoft.com/office/drawing/2014/main" id="{1A0F292F-BFD8-A729-A8A1-9D6322AF7AB8}"/>
               </a:ext>
             </a:extLst>
           </p:cNvPr>
@@ -166,7 +166,7 @@
           <p:cNvPr id="3" name="副标题 2">
             <a:extLst>
               <a:ext uri="{FF2B5EF4-FFF2-40B4-BE49-F238E27FC236}">
-                <a16:creationId xmlns:a16="http://schemas.microsoft.com/office/drawing/2014/main" id="{9409A540-9D06-44FF-259D-45EB3921B680}"/>
+                <a16:creationId xmlns:a16="http://schemas.microsoft.com/office/drawing/2014/main" id="{027E6A6D-ADE1-7ECB-001D-61DD1E04CCE1}"/>
               </a:ext>
             </a:extLst>
           </p:cNvPr>
@@ -236,7 +236,7 @@
           <p:cNvPr id="4" name="日期占位符 3">
             <a:extLst>
               <a:ext uri="{FF2B5EF4-FFF2-40B4-BE49-F238E27FC236}">
-                <a16:creationId xmlns:a16="http://schemas.microsoft.com/office/drawing/2014/main" id="{D4F241CD-18D5-27E8-1F41-E462F854D228}"/>
+                <a16:creationId xmlns:a16="http://schemas.microsoft.com/office/drawing/2014/main" id="{053D7D08-14BD-9889-C413-851DC4FA3108}"/>
               </a:ext>
             </a:extLst>
           </p:cNvPr>
@@ -252,7 +252,7 @@
           <a:bodyPr/>
           <a:lstStyle/>
           <a:p>
-            <a:fld id="{93E73111-EE1E-49C4-B6B7-08C83B880F0D}" type="datetimeFigureOut">
+            <a:fld id="{F6D2110E-45AD-494C-8226-457E1D1C8FB1}" type="datetimeFigureOut">
               <a:rPr lang="zh-CN" altLang="en-US" smtClean="0"/>
               <a:t>2024/3/10</a:t>
             </a:fld>
@@ -265,7 +265,7 @@
           <p:cNvPr id="5" name="页脚占位符 4">
             <a:extLst>
               <a:ext uri="{FF2B5EF4-FFF2-40B4-BE49-F238E27FC236}">
-                <a16:creationId xmlns:a16="http://schemas.microsoft.com/office/drawing/2014/main" id="{C31EB38D-E86A-3960-BF57-270DBD29827B}"/>
+                <a16:creationId xmlns:a16="http://schemas.microsoft.com/office/drawing/2014/main" id="{434FF3D6-03CA-5158-5D4D-1E71E7E8BD10}"/>
               </a:ext>
             </a:extLst>
           </p:cNvPr>
@@ -290,7 +290,7 @@
           <p:cNvPr id="6" name="灯片编号占位符 5">
             <a:extLst>
               <a:ext uri="{FF2B5EF4-FFF2-40B4-BE49-F238E27FC236}">
-                <a16:creationId xmlns:a16="http://schemas.microsoft.com/office/drawing/2014/main" id="{7AC9DDAA-3793-E0A2-79AC-B4B11D8687E3}"/>
+                <a16:creationId xmlns:a16="http://schemas.microsoft.com/office/drawing/2014/main" id="{2DA7D66A-312F-8FFE-3859-DABDCF23C317}"/>
               </a:ext>
             </a:extLst>
           </p:cNvPr>
@@ -306,7 +306,7 @@
           <a:bodyPr/>
           <a:lstStyle/>
           <a:p>
-            <a:fld id="{A04BC954-5DEC-42AC-AA1F-9E956DBB5A47}" type="slidenum">
+            <a:fld id="{82A74275-1AF2-442E-A287-844E64FCAC80}" type="slidenum">
               <a:rPr lang="zh-CN" altLang="en-US" smtClean="0"/>
               <a:t>‹#›</a:t>
             </a:fld>
@@ -317,7 +317,7 @@
     </p:spTree>
     <p:extLst>
       <p:ext uri="{BB962C8B-B14F-4D97-AF65-F5344CB8AC3E}">
-        <p14:creationId xmlns:p14="http://schemas.microsoft.com/office/powerpoint/2010/main" val="763699489"/>
+        <p14:creationId xmlns:p14="http://schemas.microsoft.com/office/powerpoint/2010/main" val="2201028438"/>
       </p:ext>
     </p:extLst>
   </p:cSld>
@@ -349,7 +349,7 @@
           <p:cNvPr id="2" name="标题 1">
             <a:extLst>
               <a:ext uri="{FF2B5EF4-FFF2-40B4-BE49-F238E27FC236}">
-                <a16:creationId xmlns:a16="http://schemas.microsoft.com/office/drawing/2014/main" id="{81E3A320-AFC9-2F9E-304E-4909EA982701}"/>
+                <a16:creationId xmlns:a16="http://schemas.microsoft.com/office/drawing/2014/main" id="{9FC31B22-63CF-D537-37D1-784F09DFEC16}"/>
               </a:ext>
             </a:extLst>
           </p:cNvPr>
@@ -377,7 +377,7 @@
           <p:cNvPr id="3" name="竖排文字占位符 2">
             <a:extLst>
               <a:ext uri="{FF2B5EF4-FFF2-40B4-BE49-F238E27FC236}">
-                <a16:creationId xmlns:a16="http://schemas.microsoft.com/office/drawing/2014/main" id="{94247F60-1EC6-7256-672C-48F15F9D0DB8}"/>
+                <a16:creationId xmlns:a16="http://schemas.microsoft.com/office/drawing/2014/main" id="{C61D460C-CF7E-7A36-DFC0-26AABAA5787D}"/>
               </a:ext>
             </a:extLst>
           </p:cNvPr>
@@ -434,7 +434,7 @@
           <p:cNvPr id="4" name="日期占位符 3">
             <a:extLst>
               <a:ext uri="{FF2B5EF4-FFF2-40B4-BE49-F238E27FC236}">
-                <a16:creationId xmlns:a16="http://schemas.microsoft.com/office/drawing/2014/main" id="{798D4633-D564-0BF3-CE64-BFD4D42CAC23}"/>
+                <a16:creationId xmlns:a16="http://schemas.microsoft.com/office/drawing/2014/main" id="{0E225528-31E0-6705-A572-671FEDCD90DB}"/>
               </a:ext>
             </a:extLst>
           </p:cNvPr>
@@ -450,7 +450,7 @@
           <a:bodyPr/>
           <a:lstStyle/>
           <a:p>
-            <a:fld id="{93E73111-EE1E-49C4-B6B7-08C83B880F0D}" type="datetimeFigureOut">
+            <a:fld id="{F6D2110E-45AD-494C-8226-457E1D1C8FB1}" type="datetimeFigureOut">
               <a:rPr lang="zh-CN" altLang="en-US" smtClean="0"/>
               <a:t>2024/3/10</a:t>
             </a:fld>
@@ -463,7 +463,7 @@
           <p:cNvPr id="5" name="页脚占位符 4">
             <a:extLst>
               <a:ext uri="{FF2B5EF4-FFF2-40B4-BE49-F238E27FC236}">
-                <a16:creationId xmlns:a16="http://schemas.microsoft.com/office/drawing/2014/main" id="{028761ED-5AE8-C5EB-1F3A-D06EBF3A9BC9}"/>
+                <a16:creationId xmlns:a16="http://schemas.microsoft.com/office/drawing/2014/main" id="{3DA5C907-0620-0375-5DD0-548B25A113E9}"/>
               </a:ext>
             </a:extLst>
           </p:cNvPr>
@@ -488,7 +488,7 @@
           <p:cNvPr id="6" name="灯片编号占位符 5">
             <a:extLst>
               <a:ext uri="{FF2B5EF4-FFF2-40B4-BE49-F238E27FC236}">
-                <a16:creationId xmlns:a16="http://schemas.microsoft.com/office/drawing/2014/main" id="{3AE2D2D6-11B2-C693-9111-EF0672401003}"/>
+                <a16:creationId xmlns:a16="http://schemas.microsoft.com/office/drawing/2014/main" id="{377CC250-03B2-7CC2-58F3-6630C4E7DD63}"/>
               </a:ext>
             </a:extLst>
           </p:cNvPr>
@@ -504,7 +504,7 @@
           <a:bodyPr/>
           <a:lstStyle/>
           <a:p>
-            <a:fld id="{A04BC954-5DEC-42AC-AA1F-9E956DBB5A47}" type="slidenum">
+            <a:fld id="{82A74275-1AF2-442E-A287-844E64FCAC80}" type="slidenum">
               <a:rPr lang="zh-CN" altLang="en-US" smtClean="0"/>
               <a:t>‹#›</a:t>
             </a:fld>
@@ -515,7 +515,7 @@
     </p:spTree>
     <p:extLst>
       <p:ext uri="{BB962C8B-B14F-4D97-AF65-F5344CB8AC3E}">
-        <p14:creationId xmlns:p14="http://schemas.microsoft.com/office/powerpoint/2010/main" val="2062998008"/>
+        <p14:creationId xmlns:p14="http://schemas.microsoft.com/office/powerpoint/2010/main" val="2657802826"/>
       </p:ext>
     </p:extLst>
   </p:cSld>
@@ -547,7 +547,7 @@
           <p:cNvPr id="2" name="竖排标题 1">
             <a:extLst>
               <a:ext uri="{FF2B5EF4-FFF2-40B4-BE49-F238E27FC236}">
-                <a16:creationId xmlns:a16="http://schemas.microsoft.com/office/drawing/2014/main" id="{A3637B2B-3CAC-BF3B-DFCA-FFC825242CA3}"/>
+                <a16:creationId xmlns:a16="http://schemas.microsoft.com/office/drawing/2014/main" id="{F28AFEB2-E699-4F6F-C944-55813C986AAE}"/>
               </a:ext>
             </a:extLst>
           </p:cNvPr>
@@ -580,7 +580,7 @@
           <p:cNvPr id="3" name="竖排文字占位符 2">
             <a:extLst>
               <a:ext uri="{FF2B5EF4-FFF2-40B4-BE49-F238E27FC236}">
-                <a16:creationId xmlns:a16="http://schemas.microsoft.com/office/drawing/2014/main" id="{76F715BC-65A6-1E0F-A4AA-6322DFF60DE8}"/>
+                <a16:creationId xmlns:a16="http://schemas.microsoft.com/office/drawing/2014/main" id="{955B7C7E-8B6B-8426-0200-E64EA3F28C1C}"/>
               </a:ext>
             </a:extLst>
           </p:cNvPr>
@@ -642,7 +642,7 @@
           <p:cNvPr id="4" name="日期占位符 3">
             <a:extLst>
               <a:ext uri="{FF2B5EF4-FFF2-40B4-BE49-F238E27FC236}">
-                <a16:creationId xmlns:a16="http://schemas.microsoft.com/office/drawing/2014/main" id="{F5983FB4-29D8-03A6-03E6-59781624E479}"/>
+                <a16:creationId xmlns:a16="http://schemas.microsoft.com/office/drawing/2014/main" id="{B5650B63-7525-9F75-ED74-9ECA8FACD972}"/>
               </a:ext>
             </a:extLst>
           </p:cNvPr>
@@ -658,7 +658,7 @@
           <a:bodyPr/>
           <a:lstStyle/>
           <a:p>
-            <a:fld id="{93E73111-EE1E-49C4-B6B7-08C83B880F0D}" type="datetimeFigureOut">
+            <a:fld id="{F6D2110E-45AD-494C-8226-457E1D1C8FB1}" type="datetimeFigureOut">
               <a:rPr lang="zh-CN" altLang="en-US" smtClean="0"/>
               <a:t>2024/3/10</a:t>
             </a:fld>
@@ -671,7 +671,7 @@
           <p:cNvPr id="5" name="页脚占位符 4">
             <a:extLst>
               <a:ext uri="{FF2B5EF4-FFF2-40B4-BE49-F238E27FC236}">
-                <a16:creationId xmlns:a16="http://schemas.microsoft.com/office/drawing/2014/main" id="{6A7935BB-655D-477F-FF8C-5C08A6D27CA3}"/>
+                <a16:creationId xmlns:a16="http://schemas.microsoft.com/office/drawing/2014/main" id="{8411499C-C946-C866-CFAB-F793C24FB6BF}"/>
               </a:ext>
             </a:extLst>
           </p:cNvPr>
@@ -696,7 +696,7 @@
           <p:cNvPr id="6" name="灯片编号占位符 5">
             <a:extLst>
               <a:ext uri="{FF2B5EF4-FFF2-40B4-BE49-F238E27FC236}">
-                <a16:creationId xmlns:a16="http://schemas.microsoft.com/office/drawing/2014/main" id="{D6568FD8-E39C-0DD8-6F81-4FAC2D4E1EB3}"/>
+                <a16:creationId xmlns:a16="http://schemas.microsoft.com/office/drawing/2014/main" id="{520918DE-5257-61AE-2143-62793DAAD088}"/>
               </a:ext>
             </a:extLst>
           </p:cNvPr>
@@ -712,7 +712,7 @@
           <a:bodyPr/>
           <a:lstStyle/>
           <a:p>
-            <a:fld id="{A04BC954-5DEC-42AC-AA1F-9E956DBB5A47}" type="slidenum">
+            <a:fld id="{82A74275-1AF2-442E-A287-844E64FCAC80}" type="slidenum">
               <a:rPr lang="zh-CN" altLang="en-US" smtClean="0"/>
               <a:t>‹#›</a:t>
             </a:fld>
@@ -723,7 +723,7 @@
     </p:spTree>
     <p:extLst>
       <p:ext uri="{BB962C8B-B14F-4D97-AF65-F5344CB8AC3E}">
-        <p14:creationId xmlns:p14="http://schemas.microsoft.com/office/powerpoint/2010/main" val="2874934722"/>
+        <p14:creationId xmlns:p14="http://schemas.microsoft.com/office/powerpoint/2010/main" val="3596643435"/>
       </p:ext>
     </p:extLst>
   </p:cSld>
@@ -755,7 +755,7 @@
           <p:cNvPr id="2" name="标题 1">
             <a:extLst>
               <a:ext uri="{FF2B5EF4-FFF2-40B4-BE49-F238E27FC236}">
-                <a16:creationId xmlns:a16="http://schemas.microsoft.com/office/drawing/2014/main" id="{ACB3139D-8C8D-96E5-C293-13ABE49F5A2E}"/>
+                <a16:creationId xmlns:a16="http://schemas.microsoft.com/office/drawing/2014/main" id="{51054A26-4339-33F3-424F-897F3809EFCB}"/>
               </a:ext>
             </a:extLst>
           </p:cNvPr>
@@ -783,7 +783,7 @@
           <p:cNvPr id="3" name="内容占位符 2">
             <a:extLst>
               <a:ext uri="{FF2B5EF4-FFF2-40B4-BE49-F238E27FC236}">
-                <a16:creationId xmlns:a16="http://schemas.microsoft.com/office/drawing/2014/main" id="{38438D3D-8DAF-92C8-6D4C-28DD9443F298}"/>
+                <a16:creationId xmlns:a16="http://schemas.microsoft.com/office/drawing/2014/main" id="{B2253B77-6DBD-90E7-778C-8D7EDB3865B1}"/>
               </a:ext>
             </a:extLst>
           </p:cNvPr>
@@ -840,7 +840,7 @@
           <p:cNvPr id="4" name="日期占位符 3">
             <a:extLst>
               <a:ext uri="{FF2B5EF4-FFF2-40B4-BE49-F238E27FC236}">
-                <a16:creationId xmlns:a16="http://schemas.microsoft.com/office/drawing/2014/main" id="{724D25C3-A186-B439-54AD-65FE05192C86}"/>
+                <a16:creationId xmlns:a16="http://schemas.microsoft.com/office/drawing/2014/main" id="{BF878762-7461-9DB4-8471-5FB63A1EA8F7}"/>
               </a:ext>
             </a:extLst>
           </p:cNvPr>
@@ -856,7 +856,7 @@
           <a:bodyPr/>
           <a:lstStyle/>
           <a:p>
-            <a:fld id="{93E73111-EE1E-49C4-B6B7-08C83B880F0D}" type="datetimeFigureOut">
+            <a:fld id="{F6D2110E-45AD-494C-8226-457E1D1C8FB1}" type="datetimeFigureOut">
               <a:rPr lang="zh-CN" altLang="en-US" smtClean="0"/>
               <a:t>2024/3/10</a:t>
             </a:fld>
@@ -869,7 +869,7 @@
           <p:cNvPr id="5" name="页脚占位符 4">
             <a:extLst>
               <a:ext uri="{FF2B5EF4-FFF2-40B4-BE49-F238E27FC236}">
-                <a16:creationId xmlns:a16="http://schemas.microsoft.com/office/drawing/2014/main" id="{2C3C796A-61B1-0FF0-82C1-E4EEC7BFB302}"/>
+                <a16:creationId xmlns:a16="http://schemas.microsoft.com/office/drawing/2014/main" id="{BF220035-96C4-F8DE-F91E-8563C4F7CBB1}"/>
               </a:ext>
             </a:extLst>
           </p:cNvPr>
@@ -894,7 +894,7 @@
           <p:cNvPr id="6" name="灯片编号占位符 5">
             <a:extLst>
               <a:ext uri="{FF2B5EF4-FFF2-40B4-BE49-F238E27FC236}">
-                <a16:creationId xmlns:a16="http://schemas.microsoft.com/office/drawing/2014/main" id="{F0A04F8E-59AE-085E-04CB-D3DECE8D32DB}"/>
+                <a16:creationId xmlns:a16="http://schemas.microsoft.com/office/drawing/2014/main" id="{53D866F1-2EB2-041C-CE1C-4715B3A83124}"/>
               </a:ext>
             </a:extLst>
           </p:cNvPr>
@@ -910,7 +910,7 @@
           <a:bodyPr/>
           <a:lstStyle/>
           <a:p>
-            <a:fld id="{A04BC954-5DEC-42AC-AA1F-9E956DBB5A47}" type="slidenum">
+            <a:fld id="{82A74275-1AF2-442E-A287-844E64FCAC80}" type="slidenum">
               <a:rPr lang="zh-CN" altLang="en-US" smtClean="0"/>
               <a:t>‹#›</a:t>
             </a:fld>
@@ -921,7 +921,7 @@
     </p:spTree>
     <p:extLst>
       <p:ext uri="{BB962C8B-B14F-4D97-AF65-F5344CB8AC3E}">
-        <p14:creationId xmlns:p14="http://schemas.microsoft.com/office/powerpoint/2010/main" val="2353512978"/>
+        <p14:creationId xmlns:p14="http://schemas.microsoft.com/office/powerpoint/2010/main" val="624941644"/>
       </p:ext>
     </p:extLst>
   </p:cSld>
@@ -953,7 +953,7 @@
           <p:cNvPr id="2" name="标题 1">
             <a:extLst>
               <a:ext uri="{FF2B5EF4-FFF2-40B4-BE49-F238E27FC236}">
-                <a16:creationId xmlns:a16="http://schemas.microsoft.com/office/drawing/2014/main" id="{E39EA24F-14FC-B69C-BDAE-11D1AFE09A65}"/>
+                <a16:creationId xmlns:a16="http://schemas.microsoft.com/office/drawing/2014/main" id="{70172B26-2316-7C96-EDF3-A5C34B875140}"/>
               </a:ext>
             </a:extLst>
           </p:cNvPr>
@@ -990,7 +990,7 @@
           <p:cNvPr id="3" name="文本占位符 2">
             <a:extLst>
               <a:ext uri="{FF2B5EF4-FFF2-40B4-BE49-F238E27FC236}">
-                <a16:creationId xmlns:a16="http://schemas.microsoft.com/office/drawing/2014/main" id="{61C9F652-6715-A599-C34A-C9F2EF9EEB25}"/>
+                <a16:creationId xmlns:a16="http://schemas.microsoft.com/office/drawing/2014/main" id="{0BED86DA-C9DF-EC22-DEA3-D1D82389A2BD}"/>
               </a:ext>
             </a:extLst>
           </p:cNvPr>
@@ -1115,7 +1115,7 @@
           <p:cNvPr id="4" name="日期占位符 3">
             <a:extLst>
               <a:ext uri="{FF2B5EF4-FFF2-40B4-BE49-F238E27FC236}">
-                <a16:creationId xmlns:a16="http://schemas.microsoft.com/office/drawing/2014/main" id="{D7D2AC5E-77FC-7E5F-69FB-111DCDE72BDE}"/>
+                <a16:creationId xmlns:a16="http://schemas.microsoft.com/office/drawing/2014/main" id="{CADC61FB-BD40-E0DA-06F8-9B526B718F49}"/>
               </a:ext>
             </a:extLst>
           </p:cNvPr>
@@ -1131,7 +1131,7 @@
           <a:bodyPr/>
           <a:lstStyle/>
           <a:p>
-            <a:fld id="{93E73111-EE1E-49C4-B6B7-08C83B880F0D}" type="datetimeFigureOut">
+            <a:fld id="{F6D2110E-45AD-494C-8226-457E1D1C8FB1}" type="datetimeFigureOut">
               <a:rPr lang="zh-CN" altLang="en-US" smtClean="0"/>
               <a:t>2024/3/10</a:t>
             </a:fld>
@@ -1144,7 +1144,7 @@
           <p:cNvPr id="5" name="页脚占位符 4">
             <a:extLst>
               <a:ext uri="{FF2B5EF4-FFF2-40B4-BE49-F238E27FC236}">
-                <a16:creationId xmlns:a16="http://schemas.microsoft.com/office/drawing/2014/main" id="{8AC0E8DF-CEFF-6A87-1A83-9A890E7F4920}"/>
+                <a16:creationId xmlns:a16="http://schemas.microsoft.com/office/drawing/2014/main" id="{857B9DB3-A2FF-0207-FC43-FB3055091E8B}"/>
               </a:ext>
             </a:extLst>
           </p:cNvPr>
@@ -1169,7 +1169,7 @@
           <p:cNvPr id="6" name="灯片编号占位符 5">
             <a:extLst>
               <a:ext uri="{FF2B5EF4-FFF2-40B4-BE49-F238E27FC236}">
-                <a16:creationId xmlns:a16="http://schemas.microsoft.com/office/drawing/2014/main" id="{897A1D08-BA36-079E-B891-5B9CADD634A9}"/>
+                <a16:creationId xmlns:a16="http://schemas.microsoft.com/office/drawing/2014/main" id="{B0A1930D-7769-8D86-AAFA-7030291DD7F4}"/>
               </a:ext>
             </a:extLst>
           </p:cNvPr>
@@ -1185,7 +1185,7 @@
           <a:bodyPr/>
           <a:lstStyle/>
           <a:p>
-            <a:fld id="{A04BC954-5DEC-42AC-AA1F-9E956DBB5A47}" type="slidenum">
+            <a:fld id="{82A74275-1AF2-442E-A287-844E64FCAC80}" type="slidenum">
               <a:rPr lang="zh-CN" altLang="en-US" smtClean="0"/>
               <a:t>‹#›</a:t>
             </a:fld>
@@ -1196,7 +1196,7 @@
     </p:spTree>
     <p:extLst>
       <p:ext uri="{BB962C8B-B14F-4D97-AF65-F5344CB8AC3E}">
-        <p14:creationId xmlns:p14="http://schemas.microsoft.com/office/powerpoint/2010/main" val="297779177"/>
+        <p14:creationId xmlns:p14="http://schemas.microsoft.com/office/powerpoint/2010/main" val="3943429911"/>
       </p:ext>
     </p:extLst>
   </p:cSld>
@@ -1228,7 +1228,7 @@
           <p:cNvPr id="2" name="标题 1">
             <a:extLst>
               <a:ext uri="{FF2B5EF4-FFF2-40B4-BE49-F238E27FC236}">
-                <a16:creationId xmlns:a16="http://schemas.microsoft.com/office/drawing/2014/main" id="{C38AAE29-4633-ED0D-E9B5-212C707FE691}"/>
+                <a16:creationId xmlns:a16="http://schemas.microsoft.com/office/drawing/2014/main" id="{ECF0D63E-8B67-6802-B3A7-87EE9F617FE2}"/>
               </a:ext>
             </a:extLst>
           </p:cNvPr>
@@ -1256,7 +1256,7 @@
           <p:cNvPr id="3" name="内容占位符 2">
             <a:extLst>
               <a:ext uri="{FF2B5EF4-FFF2-40B4-BE49-F238E27FC236}">
-                <a16:creationId xmlns:a16="http://schemas.microsoft.com/office/drawing/2014/main" id="{2B381928-D52D-69D8-0FE1-B9850D6C0C53}"/>
+                <a16:creationId xmlns:a16="http://schemas.microsoft.com/office/drawing/2014/main" id="{0E2345C3-E933-F2B2-2AA5-4B15EE223B73}"/>
               </a:ext>
             </a:extLst>
           </p:cNvPr>
@@ -1318,7 +1318,7 @@
           <p:cNvPr id="4" name="内容占位符 3">
             <a:extLst>
               <a:ext uri="{FF2B5EF4-FFF2-40B4-BE49-F238E27FC236}">
-                <a16:creationId xmlns:a16="http://schemas.microsoft.com/office/drawing/2014/main" id="{902693E1-27FD-EA3D-BAD6-9C29298493BE}"/>
+                <a16:creationId xmlns:a16="http://schemas.microsoft.com/office/drawing/2014/main" id="{ACD882D2-C617-2990-FE46-ADD733DCF054}"/>
               </a:ext>
             </a:extLst>
           </p:cNvPr>
@@ -1380,7 +1380,7 @@
           <p:cNvPr id="5" name="日期占位符 4">
             <a:extLst>
               <a:ext uri="{FF2B5EF4-FFF2-40B4-BE49-F238E27FC236}">
-                <a16:creationId xmlns:a16="http://schemas.microsoft.com/office/drawing/2014/main" id="{CD81A74C-69C8-E4B0-82C9-2A8672D9BD5C}"/>
+                <a16:creationId xmlns:a16="http://schemas.microsoft.com/office/drawing/2014/main" id="{74158649-FBE1-C398-5450-8752AA5803E4}"/>
               </a:ext>
             </a:extLst>
           </p:cNvPr>
@@ -1396,7 +1396,7 @@
           <a:bodyPr/>
           <a:lstStyle/>
           <a:p>
-            <a:fld id="{93E73111-EE1E-49C4-B6B7-08C83B880F0D}" type="datetimeFigureOut">
+            <a:fld id="{F6D2110E-45AD-494C-8226-457E1D1C8FB1}" type="datetimeFigureOut">
               <a:rPr lang="zh-CN" altLang="en-US" smtClean="0"/>
               <a:t>2024/3/10</a:t>
             </a:fld>
@@ -1409,7 +1409,7 @@
           <p:cNvPr id="6" name="页脚占位符 5">
             <a:extLst>
               <a:ext uri="{FF2B5EF4-FFF2-40B4-BE49-F238E27FC236}">
-                <a16:creationId xmlns:a16="http://schemas.microsoft.com/office/drawing/2014/main" id="{508BB691-B396-0695-E243-B1FBE13A946E}"/>
+                <a16:creationId xmlns:a16="http://schemas.microsoft.com/office/drawing/2014/main" id="{AE74CA35-5E24-8BD0-9090-A1662A518DC3}"/>
               </a:ext>
             </a:extLst>
           </p:cNvPr>
@@ -1434,7 +1434,7 @@
           <p:cNvPr id="7" name="灯片编号占位符 6">
             <a:extLst>
               <a:ext uri="{FF2B5EF4-FFF2-40B4-BE49-F238E27FC236}">
-                <a16:creationId xmlns:a16="http://schemas.microsoft.com/office/drawing/2014/main" id="{03BB81E7-369D-A3FA-4189-18973F0337ED}"/>
+                <a16:creationId xmlns:a16="http://schemas.microsoft.com/office/drawing/2014/main" id="{D8BBF423-4C6C-FCC0-9A37-C96B573B464A}"/>
               </a:ext>
             </a:extLst>
           </p:cNvPr>
@@ -1450,7 +1450,7 @@
           <a:bodyPr/>
           <a:lstStyle/>
           <a:p>
-            <a:fld id="{A04BC954-5DEC-42AC-AA1F-9E956DBB5A47}" type="slidenum">
+            <a:fld id="{82A74275-1AF2-442E-A287-844E64FCAC80}" type="slidenum">
               <a:rPr lang="zh-CN" altLang="en-US" smtClean="0"/>
               <a:t>‹#›</a:t>
             </a:fld>
@@ -1461,7 +1461,7 @@
     </p:spTree>
     <p:extLst>
       <p:ext uri="{BB962C8B-B14F-4D97-AF65-F5344CB8AC3E}">
-        <p14:creationId xmlns:p14="http://schemas.microsoft.com/office/powerpoint/2010/main" val="3597807803"/>
+        <p14:creationId xmlns:p14="http://schemas.microsoft.com/office/powerpoint/2010/main" val="887151848"/>
       </p:ext>
     </p:extLst>
   </p:cSld>
@@ -1493,7 +1493,7 @@
           <p:cNvPr id="2" name="标题 1">
             <a:extLst>
               <a:ext uri="{FF2B5EF4-FFF2-40B4-BE49-F238E27FC236}">
-                <a16:creationId xmlns:a16="http://schemas.microsoft.com/office/drawing/2014/main" id="{EEDF3987-A6AA-C9A0-D687-8F0F900456B5}"/>
+                <a16:creationId xmlns:a16="http://schemas.microsoft.com/office/drawing/2014/main" id="{1A010DCA-A9B7-2B67-0A10-B8FBF9F253DD}"/>
               </a:ext>
             </a:extLst>
           </p:cNvPr>
@@ -1526,7 +1526,7 @@
           <p:cNvPr id="3" name="文本占位符 2">
             <a:extLst>
               <a:ext uri="{FF2B5EF4-FFF2-40B4-BE49-F238E27FC236}">
-                <a16:creationId xmlns:a16="http://schemas.microsoft.com/office/drawing/2014/main" id="{CF7F8BFE-C62E-B6D6-30E8-783E0A43D4A8}"/>
+                <a16:creationId xmlns:a16="http://schemas.microsoft.com/office/drawing/2014/main" id="{359991A3-94A6-3111-03DB-CD0F3C15655C}"/>
               </a:ext>
             </a:extLst>
           </p:cNvPr>
@@ -1597,7 +1597,7 @@
           <p:cNvPr id="4" name="内容占位符 3">
             <a:extLst>
               <a:ext uri="{FF2B5EF4-FFF2-40B4-BE49-F238E27FC236}">
-                <a16:creationId xmlns:a16="http://schemas.microsoft.com/office/drawing/2014/main" id="{3130E903-5834-C6DC-0C92-3CF5154D45ED}"/>
+                <a16:creationId xmlns:a16="http://schemas.microsoft.com/office/drawing/2014/main" id="{CCBEC828-8A56-0F4C-97E2-6C4A2D0B5C2A}"/>
               </a:ext>
             </a:extLst>
           </p:cNvPr>
@@ -1659,7 +1659,7 @@
           <p:cNvPr id="5" name="文本占位符 4">
             <a:extLst>
               <a:ext uri="{FF2B5EF4-FFF2-40B4-BE49-F238E27FC236}">
-                <a16:creationId xmlns:a16="http://schemas.microsoft.com/office/drawing/2014/main" id="{9ED9B759-CDC8-9620-E42D-E9E6EC71447F}"/>
+                <a16:creationId xmlns:a16="http://schemas.microsoft.com/office/drawing/2014/main" id="{8B48003B-5F82-AF71-CEA6-8CACAA158EFA}"/>
               </a:ext>
             </a:extLst>
           </p:cNvPr>
@@ -1730,7 +1730,7 @@
           <p:cNvPr id="6" name="内容占位符 5">
             <a:extLst>
               <a:ext uri="{FF2B5EF4-FFF2-40B4-BE49-F238E27FC236}">
-                <a16:creationId xmlns:a16="http://schemas.microsoft.com/office/drawing/2014/main" id="{7E7A2033-10D3-FC16-9750-57F757690343}"/>
+                <a16:creationId xmlns:a16="http://schemas.microsoft.com/office/drawing/2014/main" id="{3F123FBA-37C9-BDA4-782A-962AFE04B2B2}"/>
               </a:ext>
             </a:extLst>
           </p:cNvPr>
@@ -1792,7 +1792,7 @@
           <p:cNvPr id="7" name="日期占位符 6">
             <a:extLst>
               <a:ext uri="{FF2B5EF4-FFF2-40B4-BE49-F238E27FC236}">
-                <a16:creationId xmlns:a16="http://schemas.microsoft.com/office/drawing/2014/main" id="{AC987FD2-2544-E59A-ED2F-0F5E8E959FCD}"/>
+                <a16:creationId xmlns:a16="http://schemas.microsoft.com/office/drawing/2014/main" id="{8FB2FC78-B65A-7190-FB47-DD5B0C07482C}"/>
               </a:ext>
             </a:extLst>
           </p:cNvPr>
@@ -1808,7 +1808,7 @@
           <a:bodyPr/>
           <a:lstStyle/>
           <a:p>
-            <a:fld id="{93E73111-EE1E-49C4-B6B7-08C83B880F0D}" type="datetimeFigureOut">
+            <a:fld id="{F6D2110E-45AD-494C-8226-457E1D1C8FB1}" type="datetimeFigureOut">
               <a:rPr lang="zh-CN" altLang="en-US" smtClean="0"/>
               <a:t>2024/3/10</a:t>
             </a:fld>
@@ -1821,7 +1821,7 @@
           <p:cNvPr id="8" name="页脚占位符 7">
             <a:extLst>
               <a:ext uri="{FF2B5EF4-FFF2-40B4-BE49-F238E27FC236}">
-                <a16:creationId xmlns:a16="http://schemas.microsoft.com/office/drawing/2014/main" id="{E3B9B8A8-CD5C-AF5C-2A30-71137A267E92}"/>
+                <a16:creationId xmlns:a16="http://schemas.microsoft.com/office/drawing/2014/main" id="{654949EA-6F48-58CB-3A16-74B16CD07889}"/>
               </a:ext>
             </a:extLst>
           </p:cNvPr>
@@ -1846,7 +1846,7 @@
           <p:cNvPr id="9" name="灯片编号占位符 8">
             <a:extLst>
               <a:ext uri="{FF2B5EF4-FFF2-40B4-BE49-F238E27FC236}">
-                <a16:creationId xmlns:a16="http://schemas.microsoft.com/office/drawing/2014/main" id="{566ACA8F-EA45-5F7A-0EC8-3DE9156E6BF7}"/>
+                <a16:creationId xmlns:a16="http://schemas.microsoft.com/office/drawing/2014/main" id="{59DF5259-B721-A928-B4E3-918963CFB62E}"/>
               </a:ext>
             </a:extLst>
           </p:cNvPr>
@@ -1862,7 +1862,7 @@
           <a:bodyPr/>
           <a:lstStyle/>
           <a:p>
-            <a:fld id="{A04BC954-5DEC-42AC-AA1F-9E956DBB5A47}" type="slidenum">
+            <a:fld id="{82A74275-1AF2-442E-A287-844E64FCAC80}" type="slidenum">
               <a:rPr lang="zh-CN" altLang="en-US" smtClean="0"/>
               <a:t>‹#›</a:t>
             </a:fld>
@@ -1873,7 +1873,7 @@
     </p:spTree>
     <p:extLst>
       <p:ext uri="{BB962C8B-B14F-4D97-AF65-F5344CB8AC3E}">
-        <p14:creationId xmlns:p14="http://schemas.microsoft.com/office/powerpoint/2010/main" val="2730857507"/>
+        <p14:creationId xmlns:p14="http://schemas.microsoft.com/office/powerpoint/2010/main" val="1200085349"/>
       </p:ext>
     </p:extLst>
   </p:cSld>
@@ -1905,7 +1905,7 @@
           <p:cNvPr id="2" name="标题 1">
             <a:extLst>
               <a:ext uri="{FF2B5EF4-FFF2-40B4-BE49-F238E27FC236}">
-                <a16:creationId xmlns:a16="http://schemas.microsoft.com/office/drawing/2014/main" id="{4AE08664-5110-9732-71E9-DFC6CEA363CA}"/>
+                <a16:creationId xmlns:a16="http://schemas.microsoft.com/office/drawing/2014/main" id="{A6C5AED9-9DB3-9301-CB86-2303F3C294FA}"/>
               </a:ext>
             </a:extLst>
           </p:cNvPr>
@@ -1933,7 +1933,7 @@
           <p:cNvPr id="3" name="日期占位符 2">
             <a:extLst>
               <a:ext uri="{FF2B5EF4-FFF2-40B4-BE49-F238E27FC236}">
-                <a16:creationId xmlns:a16="http://schemas.microsoft.com/office/drawing/2014/main" id="{76A52AE8-45D1-5BA3-C29B-04494FC58C04}"/>
+                <a16:creationId xmlns:a16="http://schemas.microsoft.com/office/drawing/2014/main" id="{056FD5F4-DA82-5A96-D787-539666934BB8}"/>
               </a:ext>
             </a:extLst>
           </p:cNvPr>
@@ -1949,7 +1949,7 @@
           <a:bodyPr/>
           <a:lstStyle/>
           <a:p>
-            <a:fld id="{93E73111-EE1E-49C4-B6B7-08C83B880F0D}" type="datetimeFigureOut">
+            <a:fld id="{F6D2110E-45AD-494C-8226-457E1D1C8FB1}" type="datetimeFigureOut">
               <a:rPr lang="zh-CN" altLang="en-US" smtClean="0"/>
               <a:t>2024/3/10</a:t>
             </a:fld>
@@ -1962,7 +1962,7 @@
           <p:cNvPr id="4" name="页脚占位符 3">
             <a:extLst>
               <a:ext uri="{FF2B5EF4-FFF2-40B4-BE49-F238E27FC236}">
-                <a16:creationId xmlns:a16="http://schemas.microsoft.com/office/drawing/2014/main" id="{47DF046F-AB5F-BCF3-F83C-DE6F8B3773F6}"/>
+                <a16:creationId xmlns:a16="http://schemas.microsoft.com/office/drawing/2014/main" id="{A208EAB4-7DE0-CC43-AED6-A7ADB5E5AB4D}"/>
               </a:ext>
             </a:extLst>
           </p:cNvPr>
@@ -1987,7 +1987,7 @@
           <p:cNvPr id="5" name="灯片编号占位符 4">
             <a:extLst>
               <a:ext uri="{FF2B5EF4-FFF2-40B4-BE49-F238E27FC236}">
-                <a16:creationId xmlns:a16="http://schemas.microsoft.com/office/drawing/2014/main" id="{CE303C69-7BC5-2284-905F-CABF5E566272}"/>
+                <a16:creationId xmlns:a16="http://schemas.microsoft.com/office/drawing/2014/main" id="{2DC057F6-5B7D-91F3-F746-96822E531848}"/>
               </a:ext>
             </a:extLst>
           </p:cNvPr>
@@ -2003,7 +2003,7 @@
           <a:bodyPr/>
           <a:lstStyle/>
           <a:p>
-            <a:fld id="{A04BC954-5DEC-42AC-AA1F-9E956DBB5A47}" type="slidenum">
+            <a:fld id="{82A74275-1AF2-442E-A287-844E64FCAC80}" type="slidenum">
               <a:rPr lang="zh-CN" altLang="en-US" smtClean="0"/>
               <a:t>‹#›</a:t>
             </a:fld>
@@ -2014,7 +2014,7 @@
     </p:spTree>
     <p:extLst>
       <p:ext uri="{BB962C8B-B14F-4D97-AF65-F5344CB8AC3E}">
-        <p14:creationId xmlns:p14="http://schemas.microsoft.com/office/powerpoint/2010/main" val="3708527588"/>
+        <p14:creationId xmlns:p14="http://schemas.microsoft.com/office/powerpoint/2010/main" val="3007507176"/>
       </p:ext>
     </p:extLst>
   </p:cSld>
@@ -2046,7 +2046,7 @@
           <p:cNvPr id="2" name="日期占位符 1">
             <a:extLst>
               <a:ext uri="{FF2B5EF4-FFF2-40B4-BE49-F238E27FC236}">
-                <a16:creationId xmlns:a16="http://schemas.microsoft.com/office/drawing/2014/main" id="{6D3061AC-1B77-039E-1AA2-39BC51DA0A52}"/>
+                <a16:creationId xmlns:a16="http://schemas.microsoft.com/office/drawing/2014/main" id="{1F04C980-C979-6CC1-7456-45FCD1584823}"/>
               </a:ext>
             </a:extLst>
           </p:cNvPr>
@@ -2062,7 +2062,7 @@
           <a:bodyPr/>
           <a:lstStyle/>
           <a:p>
-            <a:fld id="{93E73111-EE1E-49C4-B6B7-08C83B880F0D}" type="datetimeFigureOut">
+            <a:fld id="{F6D2110E-45AD-494C-8226-457E1D1C8FB1}" type="datetimeFigureOut">
               <a:rPr lang="zh-CN" altLang="en-US" smtClean="0"/>
               <a:t>2024/3/10</a:t>
             </a:fld>
@@ -2075,7 +2075,7 @@
           <p:cNvPr id="3" name="页脚占位符 2">
             <a:extLst>
               <a:ext uri="{FF2B5EF4-FFF2-40B4-BE49-F238E27FC236}">
-                <a16:creationId xmlns:a16="http://schemas.microsoft.com/office/drawing/2014/main" id="{428C0287-230C-A253-C87F-D9DD2C7715AE}"/>
+                <a16:creationId xmlns:a16="http://schemas.microsoft.com/office/drawing/2014/main" id="{5B33EF67-2D0E-7845-21AE-83B7D903266B}"/>
               </a:ext>
             </a:extLst>
           </p:cNvPr>
@@ -2100,7 +2100,7 @@
           <p:cNvPr id="4" name="灯片编号占位符 3">
             <a:extLst>
               <a:ext uri="{FF2B5EF4-FFF2-40B4-BE49-F238E27FC236}">
-                <a16:creationId xmlns:a16="http://schemas.microsoft.com/office/drawing/2014/main" id="{CBD53D01-5377-4FB9-8668-8DCD977412C7}"/>
+                <a16:creationId xmlns:a16="http://schemas.microsoft.com/office/drawing/2014/main" id="{61168A89-AB0A-9715-D978-C49DA0E2A993}"/>
               </a:ext>
             </a:extLst>
           </p:cNvPr>
@@ -2116,7 +2116,7 @@
           <a:bodyPr/>
           <a:lstStyle/>
           <a:p>
-            <a:fld id="{A04BC954-5DEC-42AC-AA1F-9E956DBB5A47}" type="slidenum">
+            <a:fld id="{82A74275-1AF2-442E-A287-844E64FCAC80}" type="slidenum">
               <a:rPr lang="zh-CN" altLang="en-US" smtClean="0"/>
               <a:t>‹#›</a:t>
             </a:fld>
@@ -2127,7 +2127,7 @@
     </p:spTree>
     <p:extLst>
       <p:ext uri="{BB962C8B-B14F-4D97-AF65-F5344CB8AC3E}">
-        <p14:creationId xmlns:p14="http://schemas.microsoft.com/office/powerpoint/2010/main" val="2913709411"/>
+        <p14:creationId xmlns:p14="http://schemas.microsoft.com/office/powerpoint/2010/main" val="2392949140"/>
       </p:ext>
     </p:extLst>
   </p:cSld>
@@ -2159,7 +2159,7 @@
           <p:cNvPr id="2" name="标题 1">
             <a:extLst>
               <a:ext uri="{FF2B5EF4-FFF2-40B4-BE49-F238E27FC236}">
-                <a16:creationId xmlns:a16="http://schemas.microsoft.com/office/drawing/2014/main" id="{418370D2-8419-9B15-2F9A-B25FF7A588BF}"/>
+                <a16:creationId xmlns:a16="http://schemas.microsoft.com/office/drawing/2014/main" id="{FAB06F8B-B980-380C-D2B7-0C98AC2CDA83}"/>
               </a:ext>
             </a:extLst>
           </p:cNvPr>
@@ -2196,7 +2196,7 @@
           <p:cNvPr id="3" name="内容占位符 2">
             <a:extLst>
               <a:ext uri="{FF2B5EF4-FFF2-40B4-BE49-F238E27FC236}">
-                <a16:creationId xmlns:a16="http://schemas.microsoft.com/office/drawing/2014/main" id="{A72D5182-1BCB-F4B7-B038-FFB8C8903518}"/>
+                <a16:creationId xmlns:a16="http://schemas.microsoft.com/office/drawing/2014/main" id="{D1C9896E-5A44-7AED-A564-F279C337D61C}"/>
               </a:ext>
             </a:extLst>
           </p:cNvPr>
@@ -2286,7 +2286,7 @@
           <p:cNvPr id="4" name="文本占位符 3">
             <a:extLst>
               <a:ext uri="{FF2B5EF4-FFF2-40B4-BE49-F238E27FC236}">
-                <a16:creationId xmlns:a16="http://schemas.microsoft.com/office/drawing/2014/main" id="{D607906A-C8FA-3279-C1FC-2DD145E69DF4}"/>
+                <a16:creationId xmlns:a16="http://schemas.microsoft.com/office/drawing/2014/main" id="{6F1A623C-1B17-D72C-B550-8573DF005A5E}"/>
               </a:ext>
             </a:extLst>
           </p:cNvPr>
@@ -2357,7 +2357,7 @@
           <p:cNvPr id="5" name="日期占位符 4">
             <a:extLst>
               <a:ext uri="{FF2B5EF4-FFF2-40B4-BE49-F238E27FC236}">
-                <a16:creationId xmlns:a16="http://schemas.microsoft.com/office/drawing/2014/main" id="{340CF0D5-8C68-3677-4CAE-E0FF990A89DA}"/>
+                <a16:creationId xmlns:a16="http://schemas.microsoft.com/office/drawing/2014/main" id="{C176CAB3-A2ED-6298-B325-FDC7F3B402B3}"/>
               </a:ext>
             </a:extLst>
           </p:cNvPr>
@@ -2373,7 +2373,7 @@
           <a:bodyPr/>
           <a:lstStyle/>
           <a:p>
-            <a:fld id="{93E73111-EE1E-49C4-B6B7-08C83B880F0D}" type="datetimeFigureOut">
+            <a:fld id="{F6D2110E-45AD-494C-8226-457E1D1C8FB1}" type="datetimeFigureOut">
               <a:rPr lang="zh-CN" altLang="en-US" smtClean="0"/>
               <a:t>2024/3/10</a:t>
             </a:fld>
@@ -2386,7 +2386,7 @@
           <p:cNvPr id="6" name="页脚占位符 5">
             <a:extLst>
               <a:ext uri="{FF2B5EF4-FFF2-40B4-BE49-F238E27FC236}">
-                <a16:creationId xmlns:a16="http://schemas.microsoft.com/office/drawing/2014/main" id="{18F8B1DB-C007-C649-3384-0E58F2E61272}"/>
+                <a16:creationId xmlns:a16="http://schemas.microsoft.com/office/drawing/2014/main" id="{40502073-F1A6-917B-0AB3-0B959352777E}"/>
               </a:ext>
             </a:extLst>
           </p:cNvPr>
@@ -2411,7 +2411,7 @@
           <p:cNvPr id="7" name="灯片编号占位符 6">
             <a:extLst>
               <a:ext uri="{FF2B5EF4-FFF2-40B4-BE49-F238E27FC236}">
-                <a16:creationId xmlns:a16="http://schemas.microsoft.com/office/drawing/2014/main" id="{67096638-DDA5-FC0C-2C53-6F9B828B4EDC}"/>
+                <a16:creationId xmlns:a16="http://schemas.microsoft.com/office/drawing/2014/main" id="{78533D76-5E39-A2CF-8B7B-CF92C44CD3FF}"/>
               </a:ext>
             </a:extLst>
           </p:cNvPr>
@@ -2427,7 +2427,7 @@
           <a:bodyPr/>
           <a:lstStyle/>
           <a:p>
-            <a:fld id="{A04BC954-5DEC-42AC-AA1F-9E956DBB5A47}" type="slidenum">
+            <a:fld id="{82A74275-1AF2-442E-A287-844E64FCAC80}" type="slidenum">
               <a:rPr lang="zh-CN" altLang="en-US" smtClean="0"/>
               <a:t>‹#›</a:t>
             </a:fld>
@@ -2438,7 +2438,7 @@
     </p:spTree>
     <p:extLst>
       <p:ext uri="{BB962C8B-B14F-4D97-AF65-F5344CB8AC3E}">
-        <p14:creationId xmlns:p14="http://schemas.microsoft.com/office/powerpoint/2010/main" val="3868061676"/>
+        <p14:creationId xmlns:p14="http://schemas.microsoft.com/office/powerpoint/2010/main" val="4009922749"/>
       </p:ext>
     </p:extLst>
   </p:cSld>
@@ -2470,7 +2470,7 @@
           <p:cNvPr id="2" name="标题 1">
             <a:extLst>
               <a:ext uri="{FF2B5EF4-FFF2-40B4-BE49-F238E27FC236}">
-                <a16:creationId xmlns:a16="http://schemas.microsoft.com/office/drawing/2014/main" id="{43B304EE-9598-399F-A50A-63117F7A5C01}"/>
+                <a16:creationId xmlns:a16="http://schemas.microsoft.com/office/drawing/2014/main" id="{A8F06DFC-54D0-6942-BE48-C201445A31C5}"/>
               </a:ext>
             </a:extLst>
           </p:cNvPr>
@@ -2507,7 +2507,7 @@
           <p:cNvPr id="3" name="图片占位符 2">
             <a:extLst>
               <a:ext uri="{FF2B5EF4-FFF2-40B4-BE49-F238E27FC236}">
-                <a16:creationId xmlns:a16="http://schemas.microsoft.com/office/drawing/2014/main" id="{273E7C6B-AE64-32AE-202D-F1621B4A448B}"/>
+                <a16:creationId xmlns:a16="http://schemas.microsoft.com/office/drawing/2014/main" id="{B3BC613C-A434-A1EB-30B2-CF04F41A4D29}"/>
               </a:ext>
             </a:extLst>
           </p:cNvPr>
@@ -2574,7 +2574,7 @@
           <p:cNvPr id="4" name="文本占位符 3">
             <a:extLst>
               <a:ext uri="{FF2B5EF4-FFF2-40B4-BE49-F238E27FC236}">
-                <a16:creationId xmlns:a16="http://schemas.microsoft.com/office/drawing/2014/main" id="{8A2A6C7C-13DE-7F20-B8AA-220175F36913}"/>
+                <a16:creationId xmlns:a16="http://schemas.microsoft.com/office/drawing/2014/main" id="{664EF28E-A3D0-DE74-DB0E-3449B0DE9488}"/>
               </a:ext>
             </a:extLst>
           </p:cNvPr>
@@ -2645,7 +2645,7 @@
           <p:cNvPr id="5" name="日期占位符 4">
             <a:extLst>
               <a:ext uri="{FF2B5EF4-FFF2-40B4-BE49-F238E27FC236}">
-                <a16:creationId xmlns:a16="http://schemas.microsoft.com/office/drawing/2014/main" id="{813B1294-C638-1E44-1E90-8EAAE9A460B7}"/>
+                <a16:creationId xmlns:a16="http://schemas.microsoft.com/office/drawing/2014/main" id="{6D661F7F-C1B3-139C-9A34-16BBC259D2B6}"/>
               </a:ext>
             </a:extLst>
           </p:cNvPr>
@@ -2661,7 +2661,7 @@
           <a:bodyPr/>
           <a:lstStyle/>
           <a:p>
-            <a:fld id="{93E73111-EE1E-49C4-B6B7-08C83B880F0D}" type="datetimeFigureOut">
+            <a:fld id="{F6D2110E-45AD-494C-8226-457E1D1C8FB1}" type="datetimeFigureOut">
               <a:rPr lang="zh-CN" altLang="en-US" smtClean="0"/>
               <a:t>2024/3/10</a:t>
             </a:fld>
@@ -2674,7 +2674,7 @@
           <p:cNvPr id="6" name="页脚占位符 5">
             <a:extLst>
               <a:ext uri="{FF2B5EF4-FFF2-40B4-BE49-F238E27FC236}">
-                <a16:creationId xmlns:a16="http://schemas.microsoft.com/office/drawing/2014/main" id="{E4B5366F-9074-585B-47E3-E53629BC56D0}"/>
+                <a16:creationId xmlns:a16="http://schemas.microsoft.com/office/drawing/2014/main" id="{6C6A5C77-2073-51C9-F4E5-E62153B825BC}"/>
               </a:ext>
             </a:extLst>
           </p:cNvPr>
@@ -2699,7 +2699,7 @@
           <p:cNvPr id="7" name="灯片编号占位符 6">
             <a:extLst>
               <a:ext uri="{FF2B5EF4-FFF2-40B4-BE49-F238E27FC236}">
-                <a16:creationId xmlns:a16="http://schemas.microsoft.com/office/drawing/2014/main" id="{BA19A06E-B437-52D9-A14A-55787E82A555}"/>
+                <a16:creationId xmlns:a16="http://schemas.microsoft.com/office/drawing/2014/main" id="{5C427BCE-D939-6E46-84C5-155249675F27}"/>
               </a:ext>
             </a:extLst>
           </p:cNvPr>
@@ -2715,7 +2715,7 @@
           <a:bodyPr/>
           <a:lstStyle/>
           <a:p>
-            <a:fld id="{A04BC954-5DEC-42AC-AA1F-9E956DBB5A47}" type="slidenum">
+            <a:fld id="{82A74275-1AF2-442E-A287-844E64FCAC80}" type="slidenum">
               <a:rPr lang="zh-CN" altLang="en-US" smtClean="0"/>
               <a:t>‹#›</a:t>
             </a:fld>
@@ -2726,7 +2726,7 @@
     </p:spTree>
     <p:extLst>
       <p:ext uri="{BB962C8B-B14F-4D97-AF65-F5344CB8AC3E}">
-        <p14:creationId xmlns:p14="http://schemas.microsoft.com/office/powerpoint/2010/main" val="1698240004"/>
+        <p14:creationId xmlns:p14="http://schemas.microsoft.com/office/powerpoint/2010/main" val="314046478"/>
       </p:ext>
     </p:extLst>
   </p:cSld>
@@ -2763,7 +2763,7 @@
           <p:cNvPr id="2" name="标题占位符 1">
             <a:extLst>
               <a:ext uri="{FF2B5EF4-FFF2-40B4-BE49-F238E27FC236}">
-                <a16:creationId xmlns:a16="http://schemas.microsoft.com/office/drawing/2014/main" id="{60DCAC9E-1C6F-CD65-738B-2810C86C7EAF}"/>
+                <a16:creationId xmlns:a16="http://schemas.microsoft.com/office/drawing/2014/main" id="{D339F88A-061C-9BBE-EAA0-AE88B225829D}"/>
               </a:ext>
             </a:extLst>
           </p:cNvPr>
@@ -2801,7 +2801,7 @@
           <p:cNvPr id="3" name="文本占位符 2">
             <a:extLst>
               <a:ext uri="{FF2B5EF4-FFF2-40B4-BE49-F238E27FC236}">
-                <a16:creationId xmlns:a16="http://schemas.microsoft.com/office/drawing/2014/main" id="{B756C643-7443-BED2-8865-FAFB77956CBC}"/>
+                <a16:creationId xmlns:a16="http://schemas.microsoft.com/office/drawing/2014/main" id="{C81164BF-EC74-8CFC-5E51-AE0D493F9BA9}"/>
               </a:ext>
             </a:extLst>
           </p:cNvPr>
@@ -2868,7 +2868,7 @@
           <p:cNvPr id="4" name="日期占位符 3">
             <a:extLst>
               <a:ext uri="{FF2B5EF4-FFF2-40B4-BE49-F238E27FC236}">
-                <a16:creationId xmlns:a16="http://schemas.microsoft.com/office/drawing/2014/main" id="{0DF35163-3E25-2E8D-1D67-1A8DD0C44DB1}"/>
+                <a16:creationId xmlns:a16="http://schemas.microsoft.com/office/drawing/2014/main" id="{3A9074EF-C36E-9C7D-7F34-15F8990000AD}"/>
               </a:ext>
             </a:extLst>
           </p:cNvPr>
@@ -2902,7 +2902,7 @@
             </a:lvl1pPr>
           </a:lstStyle>
           <a:p>
-            <a:fld id="{93E73111-EE1E-49C4-B6B7-08C83B880F0D}" type="datetimeFigureOut">
+            <a:fld id="{F6D2110E-45AD-494C-8226-457E1D1C8FB1}" type="datetimeFigureOut">
               <a:rPr lang="zh-CN" altLang="en-US" smtClean="0"/>
               <a:t>2024/3/10</a:t>
             </a:fld>
@@ -2915,7 +2915,7 @@
           <p:cNvPr id="5" name="页脚占位符 4">
             <a:extLst>
               <a:ext uri="{FF2B5EF4-FFF2-40B4-BE49-F238E27FC236}">
-                <a16:creationId xmlns:a16="http://schemas.microsoft.com/office/drawing/2014/main" id="{F3F859EA-3409-FE1E-215D-B33E6DFE5A94}"/>
+                <a16:creationId xmlns:a16="http://schemas.microsoft.com/office/drawing/2014/main" id="{1285D5B3-C893-5659-6856-12BEEEFE99D2}"/>
               </a:ext>
             </a:extLst>
           </p:cNvPr>
@@ -2958,7 +2958,7 @@
           <p:cNvPr id="6" name="灯片编号占位符 5">
             <a:extLst>
               <a:ext uri="{FF2B5EF4-FFF2-40B4-BE49-F238E27FC236}">
-                <a16:creationId xmlns:a16="http://schemas.microsoft.com/office/drawing/2014/main" id="{F6564E2E-7450-9417-5248-C746D7BDA65C}"/>
+                <a16:creationId xmlns:a16="http://schemas.microsoft.com/office/drawing/2014/main" id="{8C858709-87AC-820D-73F2-EC85C8363E7F}"/>
               </a:ext>
             </a:extLst>
           </p:cNvPr>
@@ -2992,7 +2992,7 @@
             </a:lvl1pPr>
           </a:lstStyle>
           <a:p>
-            <a:fld id="{A04BC954-5DEC-42AC-AA1F-9E956DBB5A47}" type="slidenum">
+            <a:fld id="{82A74275-1AF2-442E-A287-844E64FCAC80}" type="slidenum">
               <a:rPr lang="zh-CN" altLang="en-US" smtClean="0"/>
               <a:t>‹#›</a:t>
             </a:fld>
@@ -3003,7 +3003,7 @@
     </p:spTree>
     <p:extLst>
       <p:ext uri="{BB962C8B-B14F-4D97-AF65-F5344CB8AC3E}">
-        <p14:creationId xmlns:p14="http://schemas.microsoft.com/office/powerpoint/2010/main" val="4188812706"/>
+        <p14:creationId xmlns:p14="http://schemas.microsoft.com/office/powerpoint/2010/main" val="838011059"/>
       </p:ext>
     </p:extLst>
   </p:cSld>
